--- a/Presentación_Nexus_PROYECTO 2DO PARCIAL.pptx
+++ b/Presentación_Nexus_PROYECTO 2DO PARCIAL.pptx
@@ -10,13 +10,13 @@
     <p:sldId id="279" r:id="rId4"/>
     <p:sldId id="257" r:id="rId5"/>
     <p:sldId id="280" r:id="rId6"/>
-    <p:sldId id="258" r:id="rId7"/>
-    <p:sldId id="268" r:id="rId8"/>
-    <p:sldId id="281" r:id="rId9"/>
-    <p:sldId id="259" r:id="rId10"/>
-    <p:sldId id="260" r:id="rId11"/>
-    <p:sldId id="269" r:id="rId12"/>
-    <p:sldId id="282" r:id="rId13"/>
+    <p:sldId id="282" r:id="rId7"/>
+    <p:sldId id="258" r:id="rId8"/>
+    <p:sldId id="268" r:id="rId9"/>
+    <p:sldId id="281" r:id="rId10"/>
+    <p:sldId id="259" r:id="rId11"/>
+    <p:sldId id="260" r:id="rId12"/>
+    <p:sldId id="286" r:id="rId13"/>
     <p:sldId id="283" r:id="rId14"/>
     <p:sldId id="261" r:id="rId15"/>
     <p:sldId id="262" r:id="rId16"/>
@@ -28,12 +28,14 @@
     <p:sldId id="267" r:id="rId22"/>
     <p:sldId id="271" r:id="rId23"/>
     <p:sldId id="285" r:id="rId24"/>
-    <p:sldId id="277" r:id="rId25"/>
-    <p:sldId id="270" r:id="rId26"/>
-    <p:sldId id="274" r:id="rId27"/>
-    <p:sldId id="275" r:id="rId28"/>
-    <p:sldId id="276" r:id="rId29"/>
-    <p:sldId id="273" r:id="rId30"/>
+    <p:sldId id="287" r:id="rId25"/>
+    <p:sldId id="289" r:id="rId26"/>
+    <p:sldId id="277" r:id="rId27"/>
+    <p:sldId id="270" r:id="rId28"/>
+    <p:sldId id="274" r:id="rId29"/>
+    <p:sldId id="275" r:id="rId30"/>
+    <p:sldId id="276" r:id="rId31"/>
+    <p:sldId id="273" r:id="rId32"/>
   </p:sldIdLst>
   <p:sldSz cx="12192000" cy="6858000"/>
   <p:notesSz cx="6858000" cy="9144000"/>
@@ -132,6 +134,11 @@
       </a:defRPr>
     </a:lvl9pPr>
   </p:defaultTextStyle>
+  <p:extLst>
+    <p:ext uri="{EFAFB233-063F-42B5-8137-9DF3F51BA10A}">
+      <p15:sldGuideLst xmlns:p15="http://schemas.microsoft.com/office/powerpoint/2012/main"/>
+    </p:ext>
+  </p:extLst>
 </p:presentation>
 </file>
 
@@ -320,7 +327,7 @@
           <a:p>
             <a:fld id="{BD86D4D3-156E-4D8A-B6A6-2F8F48A2FDCD}" type="datetimeFigureOut">
               <a:rPr lang="es-MX" smtClean="0"/>
-              <a:t>16/04/2023</a:t>
+              <a:t>21/04/2023</a:t>
             </a:fld>
             <a:endParaRPr lang="es-MX"/>
           </a:p>
@@ -618,7 +625,7 @@
           <a:p>
             <a:fld id="{BD86D4D3-156E-4D8A-B6A6-2F8F48A2FDCD}" type="datetimeFigureOut">
               <a:rPr lang="es-MX" smtClean="0"/>
-              <a:t>16/04/2023</a:t>
+              <a:t>21/04/2023</a:t>
             </a:fld>
             <a:endParaRPr lang="es-MX"/>
           </a:p>
@@ -810,7 +817,7 @@
           <a:p>
             <a:fld id="{BD86D4D3-156E-4D8A-B6A6-2F8F48A2FDCD}" type="datetimeFigureOut">
               <a:rPr lang="es-MX" smtClean="0"/>
-              <a:t>16/04/2023</a:t>
+              <a:t>21/04/2023</a:t>
             </a:fld>
             <a:endParaRPr lang="es-MX"/>
           </a:p>
@@ -1071,7 +1078,7 @@
           <a:p>
             <a:fld id="{BD86D4D3-156E-4D8A-B6A6-2F8F48A2FDCD}" type="datetimeFigureOut">
               <a:rPr lang="es-MX" smtClean="0"/>
-              <a:t>16/04/2023</a:t>
+              <a:t>21/04/2023</a:t>
             </a:fld>
             <a:endParaRPr lang="es-MX"/>
           </a:p>
@@ -1495,7 +1502,7 @@
           <a:p>
             <a:fld id="{BD86D4D3-156E-4D8A-B6A6-2F8F48A2FDCD}" type="datetimeFigureOut">
               <a:rPr lang="es-MX" smtClean="0"/>
-              <a:t>16/04/2023</a:t>
+              <a:t>21/04/2023</a:t>
             </a:fld>
             <a:endParaRPr lang="es-MX"/>
           </a:p>
@@ -2032,7 +2039,7 @@
           <a:p>
             <a:fld id="{BD86D4D3-156E-4D8A-B6A6-2F8F48A2FDCD}" type="datetimeFigureOut">
               <a:rPr lang="es-MX" smtClean="0"/>
-              <a:t>16/04/2023</a:t>
+              <a:t>21/04/2023</a:t>
             </a:fld>
             <a:endParaRPr lang="es-MX"/>
           </a:p>
@@ -2896,7 +2903,7 @@
           <a:p>
             <a:fld id="{BD86D4D3-156E-4D8A-B6A6-2F8F48A2FDCD}" type="datetimeFigureOut">
               <a:rPr lang="es-MX" smtClean="0"/>
-              <a:t>16/04/2023</a:t>
+              <a:t>21/04/2023</a:t>
             </a:fld>
             <a:endParaRPr lang="es-MX"/>
           </a:p>
@@ -3066,7 +3073,7 @@
           <a:p>
             <a:fld id="{BD86D4D3-156E-4D8A-B6A6-2F8F48A2FDCD}" type="datetimeFigureOut">
               <a:rPr lang="es-MX" smtClean="0"/>
-              <a:t>16/04/2023</a:t>
+              <a:t>21/04/2023</a:t>
             </a:fld>
             <a:endParaRPr lang="es-MX"/>
           </a:p>
@@ -3250,7 +3257,7 @@
           <a:p>
             <a:fld id="{BD86D4D3-156E-4D8A-B6A6-2F8F48A2FDCD}" type="datetimeFigureOut">
               <a:rPr lang="es-MX" smtClean="0"/>
-              <a:t>16/04/2023</a:t>
+              <a:t>21/04/2023</a:t>
             </a:fld>
             <a:endParaRPr lang="es-MX"/>
           </a:p>
@@ -3420,7 +3427,7 @@
           <a:p>
             <a:fld id="{BD86D4D3-156E-4D8A-B6A6-2F8F48A2FDCD}" type="datetimeFigureOut">
               <a:rPr lang="es-MX" smtClean="0"/>
-              <a:t>16/04/2023</a:t>
+              <a:t>21/04/2023</a:t>
             </a:fld>
             <a:endParaRPr lang="es-MX"/>
           </a:p>
@@ -3664,7 +3671,7 @@
           <a:p>
             <a:fld id="{BD86D4D3-156E-4D8A-B6A6-2F8F48A2FDCD}" type="datetimeFigureOut">
               <a:rPr lang="es-MX" smtClean="0"/>
-              <a:t>16/04/2023</a:t>
+              <a:t>21/04/2023</a:t>
             </a:fld>
             <a:endParaRPr lang="es-MX"/>
           </a:p>
@@ -3900,7 +3907,7 @@
           <a:p>
             <a:fld id="{BD86D4D3-156E-4D8A-B6A6-2F8F48A2FDCD}" type="datetimeFigureOut">
               <a:rPr lang="es-MX" smtClean="0"/>
-              <a:t>16/04/2023</a:t>
+              <a:t>21/04/2023</a:t>
             </a:fld>
             <a:endParaRPr lang="es-MX"/>
           </a:p>
@@ -4366,7 +4373,7 @@
           <a:p>
             <a:fld id="{BD86D4D3-156E-4D8A-B6A6-2F8F48A2FDCD}" type="datetimeFigureOut">
               <a:rPr lang="es-MX" smtClean="0"/>
-              <a:t>16/04/2023</a:t>
+              <a:t>21/04/2023</a:t>
             </a:fld>
             <a:endParaRPr lang="es-MX"/>
           </a:p>
@@ -4484,7 +4491,7 @@
           <a:p>
             <a:fld id="{BD86D4D3-156E-4D8A-B6A6-2F8F48A2FDCD}" type="datetimeFigureOut">
               <a:rPr lang="es-MX" smtClean="0"/>
-              <a:t>16/04/2023</a:t>
+              <a:t>21/04/2023</a:t>
             </a:fld>
             <a:endParaRPr lang="es-MX"/>
           </a:p>
@@ -4579,7 +4586,7 @@
           <a:p>
             <a:fld id="{BD86D4D3-156E-4D8A-B6A6-2F8F48A2FDCD}" type="datetimeFigureOut">
               <a:rPr lang="es-MX" smtClean="0"/>
-              <a:t>16/04/2023</a:t>
+              <a:t>21/04/2023</a:t>
             </a:fld>
             <a:endParaRPr lang="es-MX"/>
           </a:p>
@@ -4834,7 +4841,7 @@
           <a:p>
             <a:fld id="{BD86D4D3-156E-4D8A-B6A6-2F8F48A2FDCD}" type="datetimeFigureOut">
               <a:rPr lang="es-MX" smtClean="0"/>
-              <a:t>16/04/2023</a:t>
+              <a:t>21/04/2023</a:t>
             </a:fld>
             <a:endParaRPr lang="es-MX"/>
           </a:p>
@@ -5134,7 +5141,7 @@
           <a:p>
             <a:fld id="{BD86D4D3-156E-4D8A-B6A6-2F8F48A2FDCD}" type="datetimeFigureOut">
               <a:rPr lang="es-MX" smtClean="0"/>
-              <a:t>16/04/2023</a:t>
+              <a:t>21/04/2023</a:t>
             </a:fld>
             <a:endParaRPr lang="es-MX"/>
           </a:p>
@@ -5368,7 +5375,7 @@
           <a:p>
             <a:fld id="{BD86D4D3-156E-4D8A-B6A6-2F8F48A2FDCD}" type="datetimeFigureOut">
               <a:rPr lang="es-MX" smtClean="0"/>
-              <a:t>16/04/2023</a:t>
+              <a:t>21/04/2023</a:t>
             </a:fld>
             <a:endParaRPr lang="es-MX"/>
           </a:p>
@@ -6194,7 +6201,7 @@
           <p:cNvPr id="2" name="Title 1">
             <a:extLst>
               <a:ext uri="{FF2B5EF4-FFF2-40B4-BE49-F238E27FC236}">
-                <a16:creationId xmlns:a16="http://schemas.microsoft.com/office/drawing/2014/main" id="{6040DB24-00E9-FC56-5AD8-4FA294C569AC}"/>
+                <a16:creationId xmlns:a16="http://schemas.microsoft.com/office/drawing/2014/main" id="{7C99D101-C7DE-A3EA-AEC6-D401321659A6}"/>
               </a:ext>
             </a:extLst>
           </p:cNvPr>
@@ -6205,12 +6212,20 @@
             <p:ph type="title"/>
           </p:nvPr>
         </p:nvSpPr>
-        <p:spPr/>
-        <p:txBody>
-          <a:bodyPr/>
-          <a:lstStyle/>
-          <a:p>
-            <a:endParaRPr lang="es-MX"/>
+        <p:spPr>
+          <a:xfrm>
+            <a:off x="1044424" y="96350"/>
+            <a:ext cx="10353762" cy="970450"/>
+          </a:xfrm>
+        </p:spPr>
+        <p:txBody>
+          <a:bodyPr/>
+          <a:lstStyle/>
+          <a:p>
+            <a:r>
+              <a:rPr lang="es-MX" dirty="0"/>
+              <a:t>entradas/salidas</a:t>
+            </a:r>
           </a:p>
         </p:txBody>
       </p:sp>
@@ -6219,7 +6234,7 @@
           <p:cNvPr id="3" name="Content Placeholder 2">
             <a:extLst>
               <a:ext uri="{FF2B5EF4-FFF2-40B4-BE49-F238E27FC236}">
-                <a16:creationId xmlns:a16="http://schemas.microsoft.com/office/drawing/2014/main" id="{8ECE5473-EFA8-493B-A58E-735FEEBD55B7}"/>
+                <a16:creationId xmlns:a16="http://schemas.microsoft.com/office/drawing/2014/main" id="{823871EE-D7AB-C282-0D9B-3C4EBA99D9E6}"/>
               </a:ext>
             </a:extLst>
           </p:cNvPr>
@@ -6241,10 +6256,10 @@
       </p:sp>
       <p:pic>
         <p:nvPicPr>
-          <p:cNvPr id="5" name="Picture 4">
+          <p:cNvPr id="6" name="Imagen 5">
             <a:extLst>
               <a:ext uri="{FF2B5EF4-FFF2-40B4-BE49-F238E27FC236}">
-                <a16:creationId xmlns:a16="http://schemas.microsoft.com/office/drawing/2014/main" id="{0B252F84-73FD-E0E8-793B-BC3CD617A74F}"/>
+                <a16:creationId xmlns:a16="http://schemas.microsoft.com/office/drawing/2014/main" id="{6B23CDE3-0859-B105-ACF7-3AB2DE62ACB4}"/>
               </a:ext>
             </a:extLst>
           </p:cNvPr>
@@ -6261,8 +6276,8 @@
         </p:blipFill>
         <p:spPr>
           <a:xfrm>
-            <a:off x="0" y="1041400"/>
-            <a:ext cx="12192000" cy="5816600"/>
+            <a:off x="0" y="923192"/>
+            <a:ext cx="12191999" cy="5934808"/>
           </a:xfrm>
           <a:prstGeom prst="rect">
             <a:avLst/>
@@ -6272,7 +6287,7 @@
     </p:spTree>
     <p:extLst>
       <p:ext uri="{BB962C8B-B14F-4D97-AF65-F5344CB8AC3E}">
-        <p14:creationId xmlns:p14="http://schemas.microsoft.com/office/powerpoint/2010/main" val="1840855619"/>
+        <p14:creationId xmlns:p14="http://schemas.microsoft.com/office/powerpoint/2010/main" val="1424141735"/>
       </p:ext>
     </p:extLst>
   </p:cSld>
@@ -6301,35 +6316,10 @@
       </p:grpSpPr>
       <p:sp>
         <p:nvSpPr>
-          <p:cNvPr id="2" name="Title 1">
+          <p:cNvPr id="3" name="Content Placeholder 2">
             <a:extLst>
               <a:ext uri="{FF2B5EF4-FFF2-40B4-BE49-F238E27FC236}">
-                <a16:creationId xmlns:a16="http://schemas.microsoft.com/office/drawing/2014/main" id="{F731F271-CBBF-1A84-9DC1-80A1C16C7B01}"/>
-              </a:ext>
-            </a:extLst>
-          </p:cNvPr>
-          <p:cNvSpPr>
-            <a:spLocks noGrp="1"/>
-          </p:cNvSpPr>
-          <p:nvPr>
-            <p:ph type="title"/>
-          </p:nvPr>
-        </p:nvSpPr>
-        <p:spPr/>
-        <p:txBody>
-          <a:bodyPr/>
-          <a:lstStyle/>
-          <a:p>
-            <a:endParaRPr lang="es-MX"/>
-          </a:p>
-        </p:txBody>
-      </p:sp>
-      <p:sp>
-        <p:nvSpPr>
-          <p:cNvPr id="3" name="Content Placeholder 2">
-            <a:extLst>
-              <a:ext uri="{FF2B5EF4-FFF2-40B4-BE49-F238E27FC236}">
-                <a16:creationId xmlns:a16="http://schemas.microsoft.com/office/drawing/2014/main" id="{14A042F0-FA32-CC8B-37E4-F0D0D8B62506}"/>
+                <a16:creationId xmlns:a16="http://schemas.microsoft.com/office/drawing/2014/main" id="{8ECE5473-EFA8-493B-A58E-735FEEBD55B7}"/>
               </a:ext>
             </a:extLst>
           </p:cNvPr>
@@ -6351,10 +6341,10 @@
       </p:sp>
       <p:pic>
         <p:nvPicPr>
-          <p:cNvPr id="5" name="Picture 4">
+          <p:cNvPr id="8" name="Imagen 7">
             <a:extLst>
               <a:ext uri="{FF2B5EF4-FFF2-40B4-BE49-F238E27FC236}">
-                <a16:creationId xmlns:a16="http://schemas.microsoft.com/office/drawing/2014/main" id="{57FD22BE-DB75-270E-4643-D08AB6F56261}"/>
+                <a16:creationId xmlns:a16="http://schemas.microsoft.com/office/drawing/2014/main" id="{707594E5-5913-F5E8-88F4-B19ACA4D7549}"/>
               </a:ext>
             </a:extLst>
           </p:cNvPr>
@@ -6371,8 +6361,8 @@
         </p:blipFill>
         <p:spPr>
           <a:xfrm>
-            <a:off x="0" y="863600"/>
-            <a:ext cx="12192000" cy="5994400"/>
+            <a:off x="0" y="0"/>
+            <a:ext cx="12192000" cy="6858000"/>
           </a:xfrm>
           <a:prstGeom prst="rect">
             <a:avLst/>
@@ -6382,7 +6372,7 @@
     </p:spTree>
     <p:extLst>
       <p:ext uri="{BB962C8B-B14F-4D97-AF65-F5344CB8AC3E}">
-        <p14:creationId xmlns:p14="http://schemas.microsoft.com/office/powerpoint/2010/main" val="224043824"/>
+        <p14:creationId xmlns:p14="http://schemas.microsoft.com/office/powerpoint/2010/main" val="1840855619"/>
       </p:ext>
     </p:extLst>
   </p:cSld>
@@ -6409,40 +6399,12 @@
           <a:chExt cx="0" cy="0"/>
         </a:xfrm>
       </p:grpSpPr>
-      <p:sp>
-        <p:nvSpPr>
-          <p:cNvPr id="2" name="Title 1">
-            <a:extLst>
-              <a:ext uri="{FF2B5EF4-FFF2-40B4-BE49-F238E27FC236}">
-                <a16:creationId xmlns:a16="http://schemas.microsoft.com/office/drawing/2014/main" id="{D2D9EF0D-819C-6273-30F4-E63591984817}"/>
-              </a:ext>
-            </a:extLst>
-          </p:cNvPr>
-          <p:cNvSpPr>
-            <a:spLocks noGrp="1"/>
-          </p:cNvSpPr>
-          <p:nvPr>
-            <p:ph type="title"/>
-          </p:nvPr>
-        </p:nvSpPr>
-        <p:spPr/>
-        <p:txBody>
-          <a:bodyPr/>
-          <a:lstStyle/>
-          <a:p>
-            <a:r>
-              <a:rPr lang="es-MX" dirty="0"/>
-              <a:t>Post  /asistencias</a:t>
-            </a:r>
-          </a:p>
-        </p:txBody>
-      </p:sp>
       <p:pic>
         <p:nvPicPr>
-          <p:cNvPr id="5" name="Picture 4">
+          <p:cNvPr id="5" name="Imagen 4">
             <a:extLst>
               <a:ext uri="{FF2B5EF4-FFF2-40B4-BE49-F238E27FC236}">
-                <a16:creationId xmlns:a16="http://schemas.microsoft.com/office/drawing/2014/main" id="{46E72C82-E4BF-C99F-6783-551A115E1251}"/>
+                <a16:creationId xmlns:a16="http://schemas.microsoft.com/office/drawing/2014/main" id="{4A39A121-33D1-B6A0-2D95-8755496B0D1C}"/>
               </a:ext>
             </a:extLst>
           </p:cNvPr>
@@ -6459,8 +6421,8 @@
         </p:blipFill>
         <p:spPr>
           <a:xfrm>
-            <a:off x="3427552" y="1732449"/>
-            <a:ext cx="4719628" cy="2672560"/>
+            <a:off x="0" y="0"/>
+            <a:ext cx="12192000" cy="6858000"/>
           </a:xfrm>
           <a:prstGeom prst="rect">
             <a:avLst/>
@@ -6470,7 +6432,7 @@
     </p:spTree>
     <p:extLst>
       <p:ext uri="{BB962C8B-B14F-4D97-AF65-F5344CB8AC3E}">
-        <p14:creationId xmlns:p14="http://schemas.microsoft.com/office/powerpoint/2010/main" val="3137852376"/>
+        <p14:creationId xmlns:p14="http://schemas.microsoft.com/office/powerpoint/2010/main" val="2549732301"/>
       </p:ext>
     </p:extLst>
   </p:cSld>
@@ -6661,8 +6623,37 @@
           </p:cNvPicPr>
           <p:nvPr/>
         </p:nvPicPr>
+        <p:blipFill rotWithShape="1">
+          <a:blip r:embed="rId2"/>
+          <a:srcRect l="13990"/>
+          <a:stretch/>
+        </p:blipFill>
+        <p:spPr>
+          <a:xfrm>
+            <a:off x="1705708" y="996950"/>
+            <a:ext cx="10486292" cy="5861050"/>
+          </a:xfrm>
+          <a:prstGeom prst="rect">
+            <a:avLst/>
+          </a:prstGeom>
+        </p:spPr>
+      </p:pic>
+      <p:pic>
+        <p:nvPicPr>
+          <p:cNvPr id="6" name="Imagen 5">
+            <a:extLst>
+              <a:ext uri="{FF2B5EF4-FFF2-40B4-BE49-F238E27FC236}">
+                <a16:creationId xmlns:a16="http://schemas.microsoft.com/office/drawing/2014/main" id="{3E7F2148-F024-764A-D8D1-CEC7965741C4}"/>
+              </a:ext>
+            </a:extLst>
+          </p:cNvPr>
+          <p:cNvPicPr>
+            <a:picLocks noChangeAspect="1"/>
+          </p:cNvPicPr>
+          <p:nvPr/>
+        </p:nvPicPr>
         <p:blipFill>
-          <a:blip r:embed="rId2"/>
+          <a:blip r:embed="rId3"/>
           <a:stretch>
             <a:fillRect/>
           </a:stretch>
@@ -6670,7 +6661,7 @@
         <p:spPr>
           <a:xfrm>
             <a:off x="0" y="996950"/>
-            <a:ext cx="12192000" cy="5861050"/>
+            <a:ext cx="1705708" cy="5861050"/>
           </a:xfrm>
           <a:prstGeom prst="rect">
             <a:avLst/>
@@ -6707,31 +6698,6 @@
           <a:chExt cx="0" cy="0"/>
         </a:xfrm>
       </p:grpSpPr>
-      <p:sp>
-        <p:nvSpPr>
-          <p:cNvPr id="2" name="Title 1">
-            <a:extLst>
-              <a:ext uri="{FF2B5EF4-FFF2-40B4-BE49-F238E27FC236}">
-                <a16:creationId xmlns:a16="http://schemas.microsoft.com/office/drawing/2014/main" id="{930612CF-2EB6-4C9F-EDC9-A279AEE2E020}"/>
-              </a:ext>
-            </a:extLst>
-          </p:cNvPr>
-          <p:cNvSpPr>
-            <a:spLocks noGrp="1"/>
-          </p:cNvSpPr>
-          <p:nvPr>
-            <p:ph type="title"/>
-          </p:nvPr>
-        </p:nvSpPr>
-        <p:spPr/>
-        <p:txBody>
-          <a:bodyPr/>
-          <a:lstStyle/>
-          <a:p>
-            <a:endParaRPr lang="es-MX"/>
-          </a:p>
-        </p:txBody>
-      </p:sp>
       <p:pic>
         <p:nvPicPr>
           <p:cNvPr id="5" name="Content Placeholder 4">
@@ -6748,17 +6714,46 @@
             <p:ph idx="1"/>
           </p:nvPr>
         </p:nvPicPr>
+        <p:blipFill rotWithShape="1">
+          <a:blip r:embed="rId2"/>
+          <a:srcRect l="14310"/>
+          <a:stretch/>
+        </p:blipFill>
+        <p:spPr>
+          <a:xfrm>
+            <a:off x="1740876" y="1041498"/>
+            <a:ext cx="10424357" cy="5816502"/>
+          </a:xfrm>
+        </p:spPr>
+      </p:pic>
+      <p:pic>
+        <p:nvPicPr>
+          <p:cNvPr id="4" name="Imagen 3">
+            <a:extLst>
+              <a:ext uri="{FF2B5EF4-FFF2-40B4-BE49-F238E27FC236}">
+                <a16:creationId xmlns:a16="http://schemas.microsoft.com/office/drawing/2014/main" id="{3E00BEAB-E50F-68AC-AD8C-CF47FE5551C3}"/>
+              </a:ext>
+            </a:extLst>
+          </p:cNvPr>
+          <p:cNvPicPr>
+            <a:picLocks noChangeAspect="1"/>
+          </p:cNvPicPr>
+          <p:nvPr/>
+        </p:nvPicPr>
         <p:blipFill>
-          <a:blip r:embed="rId2"/>
+          <a:blip r:embed="rId3"/>
           <a:stretch>
             <a:fillRect/>
           </a:stretch>
         </p:blipFill>
         <p:spPr>
           <a:xfrm>
-            <a:off x="0" y="1041498"/>
-            <a:ext cx="12165234" cy="5816502"/>
-          </a:xfrm>
+            <a:off x="0" y="1041496"/>
+            <a:ext cx="1740876" cy="5816503"/>
+          </a:xfrm>
+          <a:prstGeom prst="rect">
+            <a:avLst/>
+          </a:prstGeom>
         </p:spPr>
       </p:pic>
     </p:spTree>
@@ -6793,31 +6788,6 @@
       </p:grpSpPr>
       <p:sp>
         <p:nvSpPr>
-          <p:cNvPr id="2" name="Title 1">
-            <a:extLst>
-              <a:ext uri="{FF2B5EF4-FFF2-40B4-BE49-F238E27FC236}">
-                <a16:creationId xmlns:a16="http://schemas.microsoft.com/office/drawing/2014/main" id="{0D3A67D6-067E-A73D-15A2-C35E21B230D3}"/>
-              </a:ext>
-            </a:extLst>
-          </p:cNvPr>
-          <p:cNvSpPr>
-            <a:spLocks noGrp="1"/>
-          </p:cNvSpPr>
-          <p:nvPr>
-            <p:ph type="title"/>
-          </p:nvPr>
-        </p:nvSpPr>
-        <p:spPr/>
-        <p:txBody>
-          <a:bodyPr/>
-          <a:lstStyle/>
-          <a:p>
-            <a:endParaRPr lang="es-MX"/>
-          </a:p>
-        </p:txBody>
-      </p:sp>
-      <p:sp>
-        <p:nvSpPr>
           <p:cNvPr id="3" name="Content Placeholder 2">
             <a:extLst>
               <a:ext uri="{FF2B5EF4-FFF2-40B4-BE49-F238E27FC236}">
@@ -6847,6 +6817,35 @@
             <a:extLst>
               <a:ext uri="{FF2B5EF4-FFF2-40B4-BE49-F238E27FC236}">
                 <a16:creationId xmlns:a16="http://schemas.microsoft.com/office/drawing/2014/main" id="{FCB25E58-ABF1-F29C-7C74-00CD95257131}"/>
+              </a:ext>
+            </a:extLst>
+          </p:cNvPr>
+          <p:cNvPicPr>
+            <a:picLocks noChangeAspect="1"/>
+          </p:cNvPicPr>
+          <p:nvPr/>
+        </p:nvPicPr>
+        <p:blipFill rotWithShape="1">
+          <a:blip r:embed="rId2"/>
+          <a:srcRect l="14135"/>
+          <a:stretch/>
+        </p:blipFill>
+        <p:spPr>
+          <a:xfrm>
+            <a:off x="1723292" y="996950"/>
+            <a:ext cx="10468708" cy="5861050"/>
+          </a:xfrm>
+          <a:prstGeom prst="rect">
+            <a:avLst/>
+          </a:prstGeom>
+        </p:spPr>
+      </p:pic>
+      <p:pic>
+        <p:nvPicPr>
+          <p:cNvPr id="6" name="Imagen 5">
+            <a:extLst>
+              <a:ext uri="{FF2B5EF4-FFF2-40B4-BE49-F238E27FC236}">
+                <a16:creationId xmlns:a16="http://schemas.microsoft.com/office/drawing/2014/main" id="{B39F30FB-0712-FECF-7FD8-287DA4F021AC}"/>
               </a:ext>
             </a:extLst>
           </p:cNvPr>
@@ -6856,15 +6855,15 @@
           <p:nvPr/>
         </p:nvPicPr>
         <p:blipFill>
-          <a:blip r:embed="rId2"/>
+          <a:blip r:embed="rId3"/>
           <a:stretch>
             <a:fillRect/>
           </a:stretch>
         </p:blipFill>
         <p:spPr>
           <a:xfrm>
-            <a:off x="0" y="996950"/>
-            <a:ext cx="12192000" cy="5861050"/>
+            <a:off x="0" y="996948"/>
+            <a:ext cx="1723292" cy="5861051"/>
           </a:xfrm>
           <a:prstGeom prst="rect">
             <a:avLst/>
@@ -6903,31 +6902,6 @@
       </p:grpSpPr>
       <p:sp>
         <p:nvSpPr>
-          <p:cNvPr id="2" name="Title 1">
-            <a:extLst>
-              <a:ext uri="{FF2B5EF4-FFF2-40B4-BE49-F238E27FC236}">
-                <a16:creationId xmlns:a16="http://schemas.microsoft.com/office/drawing/2014/main" id="{0F688D30-0B51-D712-0D36-8FD788C4C645}"/>
-              </a:ext>
-            </a:extLst>
-          </p:cNvPr>
-          <p:cNvSpPr>
-            <a:spLocks noGrp="1"/>
-          </p:cNvSpPr>
-          <p:nvPr>
-            <p:ph type="title"/>
-          </p:nvPr>
-        </p:nvSpPr>
-        <p:spPr/>
-        <p:txBody>
-          <a:bodyPr/>
-          <a:lstStyle/>
-          <a:p>
-            <a:endParaRPr lang="es-MX"/>
-          </a:p>
-        </p:txBody>
-      </p:sp>
-      <p:sp>
-        <p:nvSpPr>
           <p:cNvPr id="3" name="Content Placeholder 2">
             <a:extLst>
               <a:ext uri="{FF2B5EF4-FFF2-40B4-BE49-F238E27FC236}">
@@ -6957,6 +6931,35 @@
             <a:extLst>
               <a:ext uri="{FF2B5EF4-FFF2-40B4-BE49-F238E27FC236}">
                 <a16:creationId xmlns:a16="http://schemas.microsoft.com/office/drawing/2014/main" id="{A652E3F1-036F-0CDF-49CD-9CDB4C78CDFA}"/>
+              </a:ext>
+            </a:extLst>
+          </p:cNvPr>
+          <p:cNvPicPr>
+            <a:picLocks noChangeAspect="1"/>
+          </p:cNvPicPr>
+          <p:nvPr/>
+        </p:nvPicPr>
+        <p:blipFill rotWithShape="1">
+          <a:blip r:embed="rId2"/>
+          <a:srcRect l="14063"/>
+          <a:stretch/>
+        </p:blipFill>
+        <p:spPr>
+          <a:xfrm>
+            <a:off x="1714500" y="609600"/>
+            <a:ext cx="10477500" cy="6299200"/>
+          </a:xfrm>
+          <a:prstGeom prst="rect">
+            <a:avLst/>
+          </a:prstGeom>
+        </p:spPr>
+      </p:pic>
+      <p:pic>
+        <p:nvPicPr>
+          <p:cNvPr id="6" name="Imagen 5">
+            <a:extLst>
+              <a:ext uri="{FF2B5EF4-FFF2-40B4-BE49-F238E27FC236}">
+                <a16:creationId xmlns:a16="http://schemas.microsoft.com/office/drawing/2014/main" id="{5D5CA9FA-6C95-94E6-7C59-A225CDFBAF21}"/>
               </a:ext>
             </a:extLst>
           </p:cNvPr>
@@ -6966,15 +6969,15 @@
           <p:nvPr/>
         </p:nvPicPr>
         <p:blipFill>
-          <a:blip r:embed="rId2"/>
+          <a:blip r:embed="rId3"/>
           <a:stretch>
             <a:fillRect/>
           </a:stretch>
         </p:blipFill>
         <p:spPr>
           <a:xfrm>
-            <a:off x="0" y="609600"/>
-            <a:ext cx="12192000" cy="6299200"/>
+            <a:off x="0" y="870438"/>
+            <a:ext cx="1714500" cy="6038362"/>
           </a:xfrm>
           <a:prstGeom prst="rect">
             <a:avLst/>
@@ -7567,16 +7570,45 @@
           </p:cNvPicPr>
           <p:nvPr/>
         </p:nvPicPr>
+        <p:blipFill rotWithShape="1">
+          <a:blip r:embed="rId2"/>
+          <a:srcRect l="14351"/>
+          <a:stretch/>
+        </p:blipFill>
+        <p:spPr>
+          <a:xfrm>
+            <a:off x="1749668" y="844550"/>
+            <a:ext cx="10442331" cy="6013450"/>
+          </a:xfrm>
+          <a:prstGeom prst="rect">
+            <a:avLst/>
+          </a:prstGeom>
+        </p:spPr>
+      </p:pic>
+      <p:pic>
+        <p:nvPicPr>
+          <p:cNvPr id="6" name="Imagen 5">
+            <a:extLst>
+              <a:ext uri="{FF2B5EF4-FFF2-40B4-BE49-F238E27FC236}">
+                <a16:creationId xmlns:a16="http://schemas.microsoft.com/office/drawing/2014/main" id="{17D07DF5-C7B1-1F95-0F27-AC750A1009B1}"/>
+              </a:ext>
+            </a:extLst>
+          </p:cNvPr>
+          <p:cNvPicPr>
+            <a:picLocks noChangeAspect="1"/>
+          </p:cNvPicPr>
+          <p:nvPr/>
+        </p:nvPicPr>
         <p:blipFill>
-          <a:blip r:embed="rId2"/>
+          <a:blip r:embed="rId3"/>
           <a:stretch>
             <a:fillRect/>
           </a:stretch>
         </p:blipFill>
         <p:spPr>
           <a:xfrm>
-            <a:off x="0" y="844550"/>
-            <a:ext cx="12192000" cy="6013450"/>
+            <a:off x="-10648" y="844550"/>
+            <a:ext cx="1760315" cy="6013450"/>
           </a:xfrm>
           <a:prstGeom prst="rect">
             <a:avLst/>
@@ -7615,31 +7647,6 @@
       </p:grpSpPr>
       <p:sp>
         <p:nvSpPr>
-          <p:cNvPr id="2" name="Title 1">
-            <a:extLst>
-              <a:ext uri="{FF2B5EF4-FFF2-40B4-BE49-F238E27FC236}">
-                <a16:creationId xmlns:a16="http://schemas.microsoft.com/office/drawing/2014/main" id="{A0A93D93-21B1-C2F5-8132-A5A89AB3D665}"/>
-              </a:ext>
-            </a:extLst>
-          </p:cNvPr>
-          <p:cNvSpPr>
-            <a:spLocks noGrp="1"/>
-          </p:cNvSpPr>
-          <p:nvPr>
-            <p:ph type="title"/>
-          </p:nvPr>
-        </p:nvSpPr>
-        <p:spPr/>
-        <p:txBody>
-          <a:bodyPr/>
-          <a:lstStyle/>
-          <a:p>
-            <a:endParaRPr lang="es-MX"/>
-          </a:p>
-        </p:txBody>
-      </p:sp>
-      <p:sp>
-        <p:nvSpPr>
           <p:cNvPr id="3" name="Content Placeholder 2">
             <a:extLst>
               <a:ext uri="{FF2B5EF4-FFF2-40B4-BE49-F238E27FC236}">
@@ -7677,16 +7684,15 @@
           </p:cNvPicPr>
           <p:nvPr/>
         </p:nvPicPr>
-        <p:blipFill>
+        <p:blipFill rotWithShape="1">
           <a:blip r:embed="rId2"/>
-          <a:stretch>
-            <a:fillRect/>
-          </a:stretch>
+          <a:srcRect l="14279"/>
+          <a:stretch/>
         </p:blipFill>
         <p:spPr>
           <a:xfrm>
-            <a:off x="0" y="844550"/>
-            <a:ext cx="12192000" cy="6013450"/>
+            <a:off x="1740876" y="720969"/>
+            <a:ext cx="10451123" cy="6137031"/>
           </a:xfrm>
           <a:prstGeom prst="rect">
             <a:avLst/>
@@ -7777,6 +7783,36 @@
           <a:xfrm>
             <a:off x="7792542" y="82455"/>
             <a:ext cx="2133898" cy="457264"/>
+          </a:xfrm>
+          <a:prstGeom prst="rect">
+            <a:avLst/>
+          </a:prstGeom>
+        </p:spPr>
+      </p:pic>
+      <p:pic>
+        <p:nvPicPr>
+          <p:cNvPr id="6" name="Imagen 5">
+            <a:extLst>
+              <a:ext uri="{FF2B5EF4-FFF2-40B4-BE49-F238E27FC236}">
+                <a16:creationId xmlns:a16="http://schemas.microsoft.com/office/drawing/2014/main" id="{60403D27-09FC-115A-BA72-1C435DB76BCA}"/>
+              </a:ext>
+            </a:extLst>
+          </p:cNvPr>
+          <p:cNvPicPr>
+            <a:picLocks noChangeAspect="1"/>
+          </p:cNvPicPr>
+          <p:nvPr/>
+        </p:nvPicPr>
+        <p:blipFill>
+          <a:blip r:embed="rId6"/>
+          <a:stretch>
+            <a:fillRect/>
+          </a:stretch>
+        </p:blipFill>
+        <p:spPr>
+          <a:xfrm>
+            <a:off x="0" y="720968"/>
+            <a:ext cx="1740876" cy="6137032"/>
           </a:xfrm>
           <a:prstGeom prst="rect">
             <a:avLst/>
@@ -7911,7 +7947,7 @@
           <p:cNvPr id="2" name="Title 1">
             <a:extLst>
               <a:ext uri="{FF2B5EF4-FFF2-40B4-BE49-F238E27FC236}">
-                <a16:creationId xmlns:a16="http://schemas.microsoft.com/office/drawing/2014/main" id="{6911E63A-0A98-992B-9D5D-E4346E20B82F}"/>
+                <a16:creationId xmlns:a16="http://schemas.microsoft.com/office/drawing/2014/main" id="{76E3CB65-33F2-06F1-1BB3-FDE3EACEB8E5}"/>
               </a:ext>
             </a:extLst>
           </p:cNvPr>
@@ -7924,7 +7960,7 @@
         </p:nvSpPr>
         <p:spPr>
           <a:xfrm>
-            <a:off x="919119" y="2458550"/>
+            <a:off x="913795" y="96350"/>
             <a:ext cx="10353762" cy="970450"/>
           </a:xfrm>
         </p:spPr>
@@ -7934,15 +7970,70 @@
           <a:p>
             <a:r>
               <a:rPr lang="es-MX" dirty="0"/>
-              <a:t>Otras vistas modo obscuro y celular</a:t>
-            </a:r>
-          </a:p>
-        </p:txBody>
-      </p:sp>
+              <a:t>Cerrar sesión</a:t>
+            </a:r>
+          </a:p>
+        </p:txBody>
+      </p:sp>
+      <p:sp>
+        <p:nvSpPr>
+          <p:cNvPr id="3" name="Content Placeholder 2">
+            <a:extLst>
+              <a:ext uri="{FF2B5EF4-FFF2-40B4-BE49-F238E27FC236}">
+                <a16:creationId xmlns:a16="http://schemas.microsoft.com/office/drawing/2014/main" id="{2E21A8E0-CF03-FB81-4743-C6FF8A95555A}"/>
+              </a:ext>
+            </a:extLst>
+          </p:cNvPr>
+          <p:cNvSpPr>
+            <a:spLocks noGrp="1"/>
+          </p:cNvSpPr>
+          <p:nvPr>
+            <p:ph idx="1"/>
+          </p:nvPr>
+        </p:nvSpPr>
+        <p:spPr/>
+        <p:txBody>
+          <a:bodyPr/>
+          <a:lstStyle/>
+          <a:p>
+            <a:endParaRPr lang="es-MX"/>
+          </a:p>
+        </p:txBody>
+      </p:sp>
+      <p:pic>
+        <p:nvPicPr>
+          <p:cNvPr id="5" name="Picture 4">
+            <a:extLst>
+              <a:ext uri="{FF2B5EF4-FFF2-40B4-BE49-F238E27FC236}">
+                <a16:creationId xmlns:a16="http://schemas.microsoft.com/office/drawing/2014/main" id="{FD1BFBCE-9BC3-7E2E-1766-7DE76217F29C}"/>
+              </a:ext>
+            </a:extLst>
+          </p:cNvPr>
+          <p:cNvPicPr>
+            <a:picLocks noChangeAspect="1"/>
+          </p:cNvPicPr>
+          <p:nvPr/>
+        </p:nvPicPr>
+        <p:blipFill>
+          <a:blip r:embed="rId2"/>
+          <a:stretch>
+            <a:fillRect/>
+          </a:stretch>
+        </p:blipFill>
+        <p:spPr>
+          <a:xfrm>
+            <a:off x="0" y="1066800"/>
+            <a:ext cx="12192000" cy="5899150"/>
+          </a:xfrm>
+          <a:prstGeom prst="rect">
+            <a:avLst/>
+          </a:prstGeom>
+        </p:spPr>
+      </p:pic>
     </p:spTree>
     <p:extLst>
       <p:ext uri="{BB962C8B-B14F-4D97-AF65-F5344CB8AC3E}">
-        <p14:creationId xmlns:p14="http://schemas.microsoft.com/office/powerpoint/2010/main" val="416688621"/>
+        <p14:creationId xmlns:p14="http://schemas.microsoft.com/office/powerpoint/2010/main" val="756540347"/>
       </p:ext>
     </p:extLst>
   </p:cSld>
@@ -7974,7 +8065,7 @@
           <p:cNvPr id="2" name="Title 1">
             <a:extLst>
               <a:ext uri="{FF2B5EF4-FFF2-40B4-BE49-F238E27FC236}">
-                <a16:creationId xmlns:a16="http://schemas.microsoft.com/office/drawing/2014/main" id="{E741AD04-9AF8-193B-2986-A98F66868EA0}"/>
+                <a16:creationId xmlns:a16="http://schemas.microsoft.com/office/drawing/2014/main" id="{D2D9EF0D-819C-6273-30F4-E63591984817}"/>
               </a:ext>
             </a:extLst>
           </p:cNvPr>
@@ -7985,45 +8076,15 @@
             <p:ph type="title"/>
           </p:nvPr>
         </p:nvSpPr>
-        <p:spPr>
-          <a:xfrm>
-            <a:off x="913795" y="47074"/>
-            <a:ext cx="10353762" cy="970450"/>
-          </a:xfrm>
-        </p:spPr>
+        <p:spPr/>
         <p:txBody>
           <a:bodyPr/>
           <a:lstStyle/>
           <a:p>
             <a:r>
               <a:rPr lang="es-MX" dirty="0"/>
-              <a:t>Modo obscuro</a:t>
-            </a:r>
-          </a:p>
-        </p:txBody>
-      </p:sp>
-      <p:sp>
-        <p:nvSpPr>
-          <p:cNvPr id="3" name="Content Placeholder 2">
-            <a:extLst>
-              <a:ext uri="{FF2B5EF4-FFF2-40B4-BE49-F238E27FC236}">
-                <a16:creationId xmlns:a16="http://schemas.microsoft.com/office/drawing/2014/main" id="{3B20DFD8-6E83-E273-3BA0-C6E11B555AD9}"/>
-              </a:ext>
-            </a:extLst>
-          </p:cNvPr>
-          <p:cNvSpPr>
-            <a:spLocks noGrp="1"/>
-          </p:cNvSpPr>
-          <p:nvPr>
-            <p:ph idx="1"/>
-          </p:nvPr>
-        </p:nvSpPr>
-        <p:spPr/>
-        <p:txBody>
-          <a:bodyPr/>
-          <a:lstStyle/>
-          <a:p>
-            <a:endParaRPr lang="es-MX"/>
+              <a:t>Post  /asistencias</a:t>
+            </a:r>
           </a:p>
         </p:txBody>
       </p:sp>
@@ -8032,7 +8093,7 @@
           <p:cNvPr id="5" name="Picture 4">
             <a:extLst>
               <a:ext uri="{FF2B5EF4-FFF2-40B4-BE49-F238E27FC236}">
-                <a16:creationId xmlns:a16="http://schemas.microsoft.com/office/drawing/2014/main" id="{9A3205E1-A030-C180-6378-13A43E1A7EFF}"/>
+                <a16:creationId xmlns:a16="http://schemas.microsoft.com/office/drawing/2014/main" id="{46E72C82-E4BF-C99F-6783-551A115E1251}"/>
               </a:ext>
             </a:extLst>
           </p:cNvPr>
@@ -8049,8 +8110,8 @@
         </p:blipFill>
         <p:spPr>
           <a:xfrm>
-            <a:off x="-5324" y="1066800"/>
-            <a:ext cx="12192000" cy="5924550"/>
+            <a:off x="3730862" y="1758826"/>
+            <a:ext cx="4719628" cy="2672560"/>
           </a:xfrm>
           <a:prstGeom prst="rect">
             <a:avLst/>
@@ -8060,7 +8121,7 @@
     </p:spTree>
     <p:extLst>
       <p:ext uri="{BB962C8B-B14F-4D97-AF65-F5344CB8AC3E}">
-        <p14:creationId xmlns:p14="http://schemas.microsoft.com/office/powerpoint/2010/main" val="3586551153"/>
+        <p14:creationId xmlns:p14="http://schemas.microsoft.com/office/powerpoint/2010/main" val="3895084355"/>
       </p:ext>
     </p:extLst>
   </p:cSld>
@@ -8092,7 +8153,7 @@
           <p:cNvPr id="2" name="Title 1">
             <a:extLst>
               <a:ext uri="{FF2B5EF4-FFF2-40B4-BE49-F238E27FC236}">
-                <a16:creationId xmlns:a16="http://schemas.microsoft.com/office/drawing/2014/main" id="{3E879E7E-973E-F673-9F79-30AE39031385}"/>
+                <a16:creationId xmlns:a16="http://schemas.microsoft.com/office/drawing/2014/main" id="{6911E63A-0A98-992B-9D5D-E4346E20B82F}"/>
               </a:ext>
             </a:extLst>
           </p:cNvPr>
@@ -8103,74 +8164,27 @@
             <p:ph type="title"/>
           </p:nvPr>
         </p:nvSpPr>
-        <p:spPr/>
-        <p:txBody>
-          <a:bodyPr/>
-          <a:lstStyle/>
-          <a:p>
-            <a:endParaRPr lang="es-MX"/>
-          </a:p>
-        </p:txBody>
-      </p:sp>
-      <p:sp>
-        <p:nvSpPr>
-          <p:cNvPr id="3" name="Content Placeholder 2">
-            <a:extLst>
-              <a:ext uri="{FF2B5EF4-FFF2-40B4-BE49-F238E27FC236}">
-                <a16:creationId xmlns:a16="http://schemas.microsoft.com/office/drawing/2014/main" id="{B9CCF535-1A77-7F0B-BF32-2D4F611DE69F}"/>
-              </a:ext>
-            </a:extLst>
-          </p:cNvPr>
-          <p:cNvSpPr>
-            <a:spLocks noGrp="1"/>
-          </p:cNvSpPr>
-          <p:nvPr>
-            <p:ph idx="1"/>
-          </p:nvPr>
-        </p:nvSpPr>
-        <p:spPr/>
-        <p:txBody>
-          <a:bodyPr/>
-          <a:lstStyle/>
-          <a:p>
-            <a:endParaRPr lang="es-MX"/>
-          </a:p>
-        </p:txBody>
-      </p:sp>
-      <p:pic>
-        <p:nvPicPr>
-          <p:cNvPr id="5" name="Picture 4">
-            <a:extLst>
-              <a:ext uri="{FF2B5EF4-FFF2-40B4-BE49-F238E27FC236}">
-                <a16:creationId xmlns:a16="http://schemas.microsoft.com/office/drawing/2014/main" id="{440D8D75-90DC-6A93-5A01-83DF39995612}"/>
-              </a:ext>
-            </a:extLst>
-          </p:cNvPr>
-          <p:cNvPicPr>
-            <a:picLocks noChangeAspect="1"/>
-          </p:cNvPicPr>
-          <p:nvPr/>
-        </p:nvPicPr>
-        <p:blipFill>
-          <a:blip r:embed="rId2"/>
-          <a:stretch>
-            <a:fillRect/>
-          </a:stretch>
-        </p:blipFill>
-        <p:spPr>
-          <a:xfrm>
-            <a:off x="0" y="479425"/>
-            <a:ext cx="12192000" cy="5899150"/>
-          </a:xfrm>
-          <a:prstGeom prst="rect">
-            <a:avLst/>
-          </a:prstGeom>
-        </p:spPr>
-      </p:pic>
+        <p:spPr>
+          <a:xfrm>
+            <a:off x="919119" y="2458550"/>
+            <a:ext cx="10353762" cy="970450"/>
+          </a:xfrm>
+        </p:spPr>
+        <p:txBody>
+          <a:bodyPr/>
+          <a:lstStyle/>
+          <a:p>
+            <a:r>
+              <a:rPr lang="es-MX" dirty="0"/>
+              <a:t>Otras vistas modo obscuro y celular</a:t>
+            </a:r>
+          </a:p>
+        </p:txBody>
+      </p:sp>
     </p:spTree>
     <p:extLst>
       <p:ext uri="{BB962C8B-B14F-4D97-AF65-F5344CB8AC3E}">
-        <p14:creationId xmlns:p14="http://schemas.microsoft.com/office/powerpoint/2010/main" val="2412808113"/>
+        <p14:creationId xmlns:p14="http://schemas.microsoft.com/office/powerpoint/2010/main" val="416688621"/>
       </p:ext>
     </p:extLst>
   </p:cSld>
@@ -8202,7 +8216,7 @@
           <p:cNvPr id="2" name="Title 1">
             <a:extLst>
               <a:ext uri="{FF2B5EF4-FFF2-40B4-BE49-F238E27FC236}">
-                <a16:creationId xmlns:a16="http://schemas.microsoft.com/office/drawing/2014/main" id="{B25E3BEC-D8FD-9E1D-4151-31E268AE92A3}"/>
+                <a16:creationId xmlns:a16="http://schemas.microsoft.com/office/drawing/2014/main" id="{E741AD04-9AF8-193B-2986-A98F66868EA0}"/>
               </a:ext>
             </a:extLst>
           </p:cNvPr>
@@ -8213,12 +8227,20 @@
             <p:ph type="title"/>
           </p:nvPr>
         </p:nvSpPr>
-        <p:spPr/>
-        <p:txBody>
-          <a:bodyPr/>
-          <a:lstStyle/>
-          <a:p>
-            <a:endParaRPr lang="es-MX"/>
+        <p:spPr>
+          <a:xfrm>
+            <a:off x="913795" y="47074"/>
+            <a:ext cx="10353762" cy="970450"/>
+          </a:xfrm>
+        </p:spPr>
+        <p:txBody>
+          <a:bodyPr/>
+          <a:lstStyle/>
+          <a:p>
+            <a:r>
+              <a:rPr lang="es-MX" dirty="0"/>
+              <a:t>Modo obscuro</a:t>
+            </a:r>
           </a:p>
         </p:txBody>
       </p:sp>
@@ -8227,7 +8249,7 @@
           <p:cNvPr id="3" name="Content Placeholder 2">
             <a:extLst>
               <a:ext uri="{FF2B5EF4-FFF2-40B4-BE49-F238E27FC236}">
-                <a16:creationId xmlns:a16="http://schemas.microsoft.com/office/drawing/2014/main" id="{FEB8DCE1-2ACC-0CE3-C2E4-BC3168C92D2F}"/>
+                <a16:creationId xmlns:a16="http://schemas.microsoft.com/office/drawing/2014/main" id="{3B20DFD8-6E83-E273-3BA0-C6E11B555AD9}"/>
               </a:ext>
             </a:extLst>
           </p:cNvPr>
@@ -8249,10 +8271,10 @@
       </p:sp>
       <p:pic>
         <p:nvPicPr>
-          <p:cNvPr id="5" name="Picture 4">
+          <p:cNvPr id="8" name="Imagen 7">
             <a:extLst>
               <a:ext uri="{FF2B5EF4-FFF2-40B4-BE49-F238E27FC236}">
-                <a16:creationId xmlns:a16="http://schemas.microsoft.com/office/drawing/2014/main" id="{BE1022B8-088E-A826-4C78-8EEBC7FCBE8C}"/>
+                <a16:creationId xmlns:a16="http://schemas.microsoft.com/office/drawing/2014/main" id="{2FE7930B-0561-5F7E-4399-B47848DD96A4}"/>
               </a:ext>
             </a:extLst>
           </p:cNvPr>
@@ -8269,8 +8291,8 @@
         </p:blipFill>
         <p:spPr>
           <a:xfrm>
-            <a:off x="0" y="466725"/>
-            <a:ext cx="12192000" cy="5924550"/>
+            <a:off x="0" y="835268"/>
+            <a:ext cx="12192000" cy="6022731"/>
           </a:xfrm>
           <a:prstGeom prst="rect">
             <a:avLst/>
@@ -8280,7 +8302,7 @@
     </p:spTree>
     <p:extLst>
       <p:ext uri="{BB962C8B-B14F-4D97-AF65-F5344CB8AC3E}">
-        <p14:creationId xmlns:p14="http://schemas.microsoft.com/office/powerpoint/2010/main" val="81142555"/>
+        <p14:creationId xmlns:p14="http://schemas.microsoft.com/office/powerpoint/2010/main" val="3586551153"/>
       </p:ext>
     </p:extLst>
   </p:cSld>
@@ -8312,7 +8334,7 @@
           <p:cNvPr id="2" name="Title 1">
             <a:extLst>
               <a:ext uri="{FF2B5EF4-FFF2-40B4-BE49-F238E27FC236}">
-                <a16:creationId xmlns:a16="http://schemas.microsoft.com/office/drawing/2014/main" id="{0778C758-170C-5B28-0973-D94F3BC02ADF}"/>
+                <a16:creationId xmlns:a16="http://schemas.microsoft.com/office/drawing/2014/main" id="{3E879E7E-973E-F673-9F79-30AE39031385}"/>
               </a:ext>
             </a:extLst>
           </p:cNvPr>
@@ -8337,7 +8359,7 @@
           <p:cNvPr id="3" name="Content Placeholder 2">
             <a:extLst>
               <a:ext uri="{FF2B5EF4-FFF2-40B4-BE49-F238E27FC236}">
-                <a16:creationId xmlns:a16="http://schemas.microsoft.com/office/drawing/2014/main" id="{2A12CDC1-18E7-AB61-E547-93F5D1AABA53}"/>
+                <a16:creationId xmlns:a16="http://schemas.microsoft.com/office/drawing/2014/main" id="{B9CCF535-1A77-7F0B-BF32-2D4F611DE69F}"/>
               </a:ext>
             </a:extLst>
           </p:cNvPr>
@@ -8359,10 +8381,10 @@
       </p:sp>
       <p:pic>
         <p:nvPicPr>
-          <p:cNvPr id="5" name="Picture 4">
+          <p:cNvPr id="6" name="Imagen 5">
             <a:extLst>
               <a:ext uri="{FF2B5EF4-FFF2-40B4-BE49-F238E27FC236}">
-                <a16:creationId xmlns:a16="http://schemas.microsoft.com/office/drawing/2014/main" id="{29504417-A4F3-483A-329D-419840671960}"/>
+                <a16:creationId xmlns:a16="http://schemas.microsoft.com/office/drawing/2014/main" id="{E6DD8EB2-AFDD-EA72-C2C6-2C293C14EB27}"/>
               </a:ext>
             </a:extLst>
           </p:cNvPr>
@@ -8379,8 +8401,8 @@
         </p:blipFill>
         <p:spPr>
           <a:xfrm>
-            <a:off x="0" y="469900"/>
-            <a:ext cx="12192000" cy="5918200"/>
+            <a:off x="0" y="0"/>
+            <a:ext cx="12192000" cy="6858000"/>
           </a:xfrm>
           <a:prstGeom prst="rect">
             <a:avLst/>
@@ -8390,7 +8412,7 @@
     </p:spTree>
     <p:extLst>
       <p:ext uri="{BB962C8B-B14F-4D97-AF65-F5344CB8AC3E}">
-        <p14:creationId xmlns:p14="http://schemas.microsoft.com/office/powerpoint/2010/main" val="3190674320"/>
+        <p14:creationId xmlns:p14="http://schemas.microsoft.com/office/powerpoint/2010/main" val="2412808113"/>
       </p:ext>
     </p:extLst>
   </p:cSld>
@@ -8422,7 +8444,7 @@
           <p:cNvPr id="2" name="Title 1">
             <a:extLst>
               <a:ext uri="{FF2B5EF4-FFF2-40B4-BE49-F238E27FC236}">
-                <a16:creationId xmlns:a16="http://schemas.microsoft.com/office/drawing/2014/main" id="{7E0595E0-0A7C-01F6-0D49-EC259A290528}"/>
+                <a16:creationId xmlns:a16="http://schemas.microsoft.com/office/drawing/2014/main" id="{B25E3BEC-D8FD-9E1D-4151-31E268AE92A3}"/>
               </a:ext>
             </a:extLst>
           </p:cNvPr>
@@ -8438,10 +8460,7 @@
           <a:bodyPr/>
           <a:lstStyle/>
           <a:p>
-            <a:r>
-              <a:rPr lang="es-MX" dirty="0"/>
-              <a:t>Otras vistas</a:t>
-            </a:r>
+            <a:endParaRPr lang="es-MX"/>
           </a:p>
         </p:txBody>
       </p:sp>
@@ -8450,7 +8469,7 @@
           <p:cNvPr id="3" name="Content Placeholder 2">
             <a:extLst>
               <a:ext uri="{FF2B5EF4-FFF2-40B4-BE49-F238E27FC236}">
-                <a16:creationId xmlns:a16="http://schemas.microsoft.com/office/drawing/2014/main" id="{441FC943-0D58-9F32-963C-FD6600F9DE3D}"/>
+                <a16:creationId xmlns:a16="http://schemas.microsoft.com/office/drawing/2014/main" id="{FEB8DCE1-2ACC-0CE3-C2E4-BC3168C92D2F}"/>
               </a:ext>
             </a:extLst>
           </p:cNvPr>
@@ -8475,7 +8494,7 @@
           <p:cNvPr id="5" name="Picture 4">
             <a:extLst>
               <a:ext uri="{FF2B5EF4-FFF2-40B4-BE49-F238E27FC236}">
-                <a16:creationId xmlns:a16="http://schemas.microsoft.com/office/drawing/2014/main" id="{633F80E1-C3E5-7722-EA16-2C934399231B}"/>
+                <a16:creationId xmlns:a16="http://schemas.microsoft.com/office/drawing/2014/main" id="{BE1022B8-088E-A826-4C78-8EEBC7FCBE8C}"/>
               </a:ext>
             </a:extLst>
           </p:cNvPr>
@@ -8492,68 +8511,8 @@
         </p:blipFill>
         <p:spPr>
           <a:xfrm>
-            <a:off x="120124" y="0"/>
-            <a:ext cx="3837561" cy="6858000"/>
-          </a:xfrm>
-          <a:prstGeom prst="rect">
-            <a:avLst/>
-          </a:prstGeom>
-        </p:spPr>
-      </p:pic>
-      <p:pic>
-        <p:nvPicPr>
-          <p:cNvPr id="7" name="Picture 6">
-            <a:extLst>
-              <a:ext uri="{FF2B5EF4-FFF2-40B4-BE49-F238E27FC236}">
-                <a16:creationId xmlns:a16="http://schemas.microsoft.com/office/drawing/2014/main" id="{F78B73A0-04FF-3DF2-9791-E143751EC6B4}"/>
-              </a:ext>
-            </a:extLst>
-          </p:cNvPr>
-          <p:cNvPicPr>
-            <a:picLocks noChangeAspect="1"/>
-          </p:cNvPicPr>
-          <p:nvPr/>
-        </p:nvPicPr>
-        <p:blipFill>
-          <a:blip r:embed="rId3"/>
-          <a:stretch>
-            <a:fillRect/>
-          </a:stretch>
-        </p:blipFill>
-        <p:spPr>
-          <a:xfrm>
-            <a:off x="4061330" y="0"/>
-            <a:ext cx="3926224" cy="6858000"/>
-          </a:xfrm>
-          <a:prstGeom prst="rect">
-            <a:avLst/>
-          </a:prstGeom>
-        </p:spPr>
-      </p:pic>
-      <p:pic>
-        <p:nvPicPr>
-          <p:cNvPr id="9" name="Picture 8">
-            <a:extLst>
-              <a:ext uri="{FF2B5EF4-FFF2-40B4-BE49-F238E27FC236}">
-                <a16:creationId xmlns:a16="http://schemas.microsoft.com/office/drawing/2014/main" id="{EA1BC59C-FDDD-B91A-EE9D-52F543AC5484}"/>
-              </a:ext>
-            </a:extLst>
-          </p:cNvPr>
-          <p:cNvPicPr>
-            <a:picLocks noChangeAspect="1"/>
-          </p:cNvPicPr>
-          <p:nvPr/>
-        </p:nvPicPr>
-        <p:blipFill>
-          <a:blip r:embed="rId4"/>
-          <a:stretch>
-            <a:fillRect/>
-          </a:stretch>
-        </p:blipFill>
-        <p:spPr>
-          <a:xfrm>
-            <a:off x="8091200" y="0"/>
-            <a:ext cx="3970028" cy="6858000"/>
+            <a:off x="0" y="466725"/>
+            <a:ext cx="12192000" cy="5924550"/>
           </a:xfrm>
           <a:prstGeom prst="rect">
             <a:avLst/>
@@ -8563,7 +8522,7 @@
     </p:spTree>
     <p:extLst>
       <p:ext uri="{BB962C8B-B14F-4D97-AF65-F5344CB8AC3E}">
-        <p14:creationId xmlns:p14="http://schemas.microsoft.com/office/powerpoint/2010/main" val="3154113109"/>
+        <p14:creationId xmlns:p14="http://schemas.microsoft.com/office/powerpoint/2010/main" val="81142555"/>
       </p:ext>
     </p:extLst>
   </p:cSld>
@@ -8693,6 +8652,289 @@
     <p:extLst>
       <p:ext uri="{BB962C8B-B14F-4D97-AF65-F5344CB8AC3E}">
         <p14:creationId xmlns:p14="http://schemas.microsoft.com/office/powerpoint/2010/main" val="388018831"/>
+      </p:ext>
+    </p:extLst>
+  </p:cSld>
+  <p:clrMapOvr>
+    <a:masterClrMapping/>
+  </p:clrMapOvr>
+</p:sld>
+</file>
+
+<file path=ppt/slides/slide30.xml><?xml version="1.0" encoding="utf-8"?>
+<p:sld xmlns:a="http://schemas.openxmlformats.org/drawingml/2006/main" xmlns:r="http://schemas.openxmlformats.org/officeDocument/2006/relationships" xmlns:p="http://schemas.openxmlformats.org/presentationml/2006/main">
+  <p:cSld>
+    <p:spTree>
+      <p:nvGrpSpPr>
+        <p:cNvPr id="1" name=""/>
+        <p:cNvGrpSpPr/>
+        <p:nvPr/>
+      </p:nvGrpSpPr>
+      <p:grpSpPr>
+        <a:xfrm>
+          <a:off x="0" y="0"/>
+          <a:ext cx="0" cy="0"/>
+          <a:chOff x="0" y="0"/>
+          <a:chExt cx="0" cy="0"/>
+        </a:xfrm>
+      </p:grpSpPr>
+      <p:sp>
+        <p:nvSpPr>
+          <p:cNvPr id="2" name="Title 1">
+            <a:extLst>
+              <a:ext uri="{FF2B5EF4-FFF2-40B4-BE49-F238E27FC236}">
+                <a16:creationId xmlns:a16="http://schemas.microsoft.com/office/drawing/2014/main" id="{0778C758-170C-5B28-0973-D94F3BC02ADF}"/>
+              </a:ext>
+            </a:extLst>
+          </p:cNvPr>
+          <p:cNvSpPr>
+            <a:spLocks noGrp="1"/>
+          </p:cNvSpPr>
+          <p:nvPr>
+            <p:ph type="title"/>
+          </p:nvPr>
+        </p:nvSpPr>
+        <p:spPr/>
+        <p:txBody>
+          <a:bodyPr/>
+          <a:lstStyle/>
+          <a:p>
+            <a:endParaRPr lang="es-MX"/>
+          </a:p>
+        </p:txBody>
+      </p:sp>
+      <p:sp>
+        <p:nvSpPr>
+          <p:cNvPr id="3" name="Content Placeholder 2">
+            <a:extLst>
+              <a:ext uri="{FF2B5EF4-FFF2-40B4-BE49-F238E27FC236}">
+                <a16:creationId xmlns:a16="http://schemas.microsoft.com/office/drawing/2014/main" id="{2A12CDC1-18E7-AB61-E547-93F5D1AABA53}"/>
+              </a:ext>
+            </a:extLst>
+          </p:cNvPr>
+          <p:cNvSpPr>
+            <a:spLocks noGrp="1"/>
+          </p:cNvSpPr>
+          <p:nvPr>
+            <p:ph idx="1"/>
+          </p:nvPr>
+        </p:nvSpPr>
+        <p:spPr/>
+        <p:txBody>
+          <a:bodyPr/>
+          <a:lstStyle/>
+          <a:p>
+            <a:endParaRPr lang="es-MX"/>
+          </a:p>
+        </p:txBody>
+      </p:sp>
+      <p:pic>
+        <p:nvPicPr>
+          <p:cNvPr id="5" name="Picture 4">
+            <a:extLst>
+              <a:ext uri="{FF2B5EF4-FFF2-40B4-BE49-F238E27FC236}">
+                <a16:creationId xmlns:a16="http://schemas.microsoft.com/office/drawing/2014/main" id="{29504417-A4F3-483A-329D-419840671960}"/>
+              </a:ext>
+            </a:extLst>
+          </p:cNvPr>
+          <p:cNvPicPr>
+            <a:picLocks noChangeAspect="1"/>
+          </p:cNvPicPr>
+          <p:nvPr/>
+        </p:nvPicPr>
+        <p:blipFill>
+          <a:blip r:embed="rId2"/>
+          <a:stretch>
+            <a:fillRect/>
+          </a:stretch>
+        </p:blipFill>
+        <p:spPr>
+          <a:xfrm>
+            <a:off x="0" y="469900"/>
+            <a:ext cx="12192000" cy="5918200"/>
+          </a:xfrm>
+          <a:prstGeom prst="rect">
+            <a:avLst/>
+          </a:prstGeom>
+        </p:spPr>
+      </p:pic>
+    </p:spTree>
+    <p:extLst>
+      <p:ext uri="{BB962C8B-B14F-4D97-AF65-F5344CB8AC3E}">
+        <p14:creationId xmlns:p14="http://schemas.microsoft.com/office/powerpoint/2010/main" val="3190674320"/>
+      </p:ext>
+    </p:extLst>
+  </p:cSld>
+  <p:clrMapOvr>
+    <a:masterClrMapping/>
+  </p:clrMapOvr>
+</p:sld>
+</file>
+
+<file path=ppt/slides/slide31.xml><?xml version="1.0" encoding="utf-8"?>
+<p:sld xmlns:a="http://schemas.openxmlformats.org/drawingml/2006/main" xmlns:r="http://schemas.openxmlformats.org/officeDocument/2006/relationships" xmlns:p="http://schemas.openxmlformats.org/presentationml/2006/main">
+  <p:cSld>
+    <p:spTree>
+      <p:nvGrpSpPr>
+        <p:cNvPr id="1" name=""/>
+        <p:cNvGrpSpPr/>
+        <p:nvPr/>
+      </p:nvGrpSpPr>
+      <p:grpSpPr>
+        <a:xfrm>
+          <a:off x="0" y="0"/>
+          <a:ext cx="0" cy="0"/>
+          <a:chOff x="0" y="0"/>
+          <a:chExt cx="0" cy="0"/>
+        </a:xfrm>
+      </p:grpSpPr>
+      <p:sp>
+        <p:nvSpPr>
+          <p:cNvPr id="2" name="Title 1">
+            <a:extLst>
+              <a:ext uri="{FF2B5EF4-FFF2-40B4-BE49-F238E27FC236}">
+                <a16:creationId xmlns:a16="http://schemas.microsoft.com/office/drawing/2014/main" id="{7E0595E0-0A7C-01F6-0D49-EC259A290528}"/>
+              </a:ext>
+            </a:extLst>
+          </p:cNvPr>
+          <p:cNvSpPr>
+            <a:spLocks noGrp="1"/>
+          </p:cNvSpPr>
+          <p:nvPr>
+            <p:ph type="title"/>
+          </p:nvPr>
+        </p:nvSpPr>
+        <p:spPr/>
+        <p:txBody>
+          <a:bodyPr/>
+          <a:lstStyle/>
+          <a:p>
+            <a:r>
+              <a:rPr lang="es-MX" dirty="0"/>
+              <a:t>Otras vistas</a:t>
+            </a:r>
+          </a:p>
+        </p:txBody>
+      </p:sp>
+      <p:sp>
+        <p:nvSpPr>
+          <p:cNvPr id="3" name="Content Placeholder 2">
+            <a:extLst>
+              <a:ext uri="{FF2B5EF4-FFF2-40B4-BE49-F238E27FC236}">
+                <a16:creationId xmlns:a16="http://schemas.microsoft.com/office/drawing/2014/main" id="{441FC943-0D58-9F32-963C-FD6600F9DE3D}"/>
+              </a:ext>
+            </a:extLst>
+          </p:cNvPr>
+          <p:cNvSpPr>
+            <a:spLocks noGrp="1"/>
+          </p:cNvSpPr>
+          <p:nvPr>
+            <p:ph idx="1"/>
+          </p:nvPr>
+        </p:nvSpPr>
+        <p:spPr/>
+        <p:txBody>
+          <a:bodyPr/>
+          <a:lstStyle/>
+          <a:p>
+            <a:endParaRPr lang="es-MX"/>
+          </a:p>
+        </p:txBody>
+      </p:sp>
+      <p:pic>
+        <p:nvPicPr>
+          <p:cNvPr id="7" name="Picture 6">
+            <a:extLst>
+              <a:ext uri="{FF2B5EF4-FFF2-40B4-BE49-F238E27FC236}">
+                <a16:creationId xmlns:a16="http://schemas.microsoft.com/office/drawing/2014/main" id="{F78B73A0-04FF-3DF2-9791-E143751EC6B4}"/>
+              </a:ext>
+            </a:extLst>
+          </p:cNvPr>
+          <p:cNvPicPr>
+            <a:picLocks noChangeAspect="1"/>
+          </p:cNvPicPr>
+          <p:nvPr/>
+        </p:nvPicPr>
+        <p:blipFill>
+          <a:blip r:embed="rId2"/>
+          <a:stretch>
+            <a:fillRect/>
+          </a:stretch>
+        </p:blipFill>
+        <p:spPr>
+          <a:xfrm>
+            <a:off x="4061330" y="0"/>
+            <a:ext cx="3926224" cy="6858000"/>
+          </a:xfrm>
+          <a:prstGeom prst="rect">
+            <a:avLst/>
+          </a:prstGeom>
+        </p:spPr>
+      </p:pic>
+      <p:pic>
+        <p:nvPicPr>
+          <p:cNvPr id="9" name="Picture 8">
+            <a:extLst>
+              <a:ext uri="{FF2B5EF4-FFF2-40B4-BE49-F238E27FC236}">
+                <a16:creationId xmlns:a16="http://schemas.microsoft.com/office/drawing/2014/main" id="{EA1BC59C-FDDD-B91A-EE9D-52F543AC5484}"/>
+              </a:ext>
+            </a:extLst>
+          </p:cNvPr>
+          <p:cNvPicPr>
+            <a:picLocks noChangeAspect="1"/>
+          </p:cNvPicPr>
+          <p:nvPr/>
+        </p:nvPicPr>
+        <p:blipFill>
+          <a:blip r:embed="rId3"/>
+          <a:stretch>
+            <a:fillRect/>
+          </a:stretch>
+        </p:blipFill>
+        <p:spPr>
+          <a:xfrm>
+            <a:off x="8091200" y="0"/>
+            <a:ext cx="3970028" cy="6858000"/>
+          </a:xfrm>
+          <a:prstGeom prst="rect">
+            <a:avLst/>
+          </a:prstGeom>
+        </p:spPr>
+      </p:pic>
+      <p:pic>
+        <p:nvPicPr>
+          <p:cNvPr id="6" name="Imagen 5">
+            <a:extLst>
+              <a:ext uri="{FF2B5EF4-FFF2-40B4-BE49-F238E27FC236}">
+                <a16:creationId xmlns:a16="http://schemas.microsoft.com/office/drawing/2014/main" id="{A1387A30-A07E-7AA4-4DC4-4944EF29DED8}"/>
+              </a:ext>
+            </a:extLst>
+          </p:cNvPr>
+          <p:cNvPicPr>
+            <a:picLocks noChangeAspect="1"/>
+          </p:cNvPicPr>
+          <p:nvPr/>
+        </p:nvPicPr>
+        <p:blipFill>
+          <a:blip r:embed="rId4"/>
+          <a:stretch>
+            <a:fillRect/>
+          </a:stretch>
+        </p:blipFill>
+        <p:spPr>
+          <a:xfrm>
+            <a:off x="87263" y="0"/>
+            <a:ext cx="3870421" cy="6858000"/>
+          </a:xfrm>
+          <a:prstGeom prst="rect">
+            <a:avLst/>
+          </a:prstGeom>
+        </p:spPr>
+      </p:pic>
+    </p:spTree>
+    <p:extLst>
+      <p:ext uri="{BB962C8B-B14F-4D97-AF65-F5344CB8AC3E}">
+        <p14:creationId xmlns:p14="http://schemas.microsoft.com/office/powerpoint/2010/main" val="3154113109"/>
       </p:ext>
     </p:extLst>
   </p:cSld>
@@ -8911,7 +9153,7 @@
           <p:cNvPr id="2" name="Title 1">
             <a:extLst>
               <a:ext uri="{FF2B5EF4-FFF2-40B4-BE49-F238E27FC236}">
-                <a16:creationId xmlns:a16="http://schemas.microsoft.com/office/drawing/2014/main" id="{45B7FE17-92CE-DB96-D3FA-0B36C44E66CD}"/>
+                <a16:creationId xmlns:a16="http://schemas.microsoft.com/office/drawing/2014/main" id="{D2D9EF0D-819C-6273-30F4-E63591984817}"/>
               </a:ext>
             </a:extLst>
           </p:cNvPr>
@@ -8922,50 +9164,15 @@
             <p:ph type="title"/>
           </p:nvPr>
         </p:nvSpPr>
-        <p:spPr>
-          <a:xfrm>
-            <a:off x="745844" y="171449"/>
-            <a:ext cx="10353762" cy="970450"/>
-          </a:xfrm>
-        </p:spPr>
+        <p:spPr/>
         <p:txBody>
           <a:bodyPr/>
           <a:lstStyle/>
           <a:p>
             <a:r>
               <a:rPr lang="es-MX" dirty="0"/>
-              <a:t>Vista </a:t>
-            </a:r>
-            <a:r>
-              <a:rPr lang="es-MX" dirty="0" err="1"/>
-              <a:t>admin</a:t>
-            </a:r>
-            <a:endParaRPr lang="es-MX" dirty="0"/>
-          </a:p>
-        </p:txBody>
-      </p:sp>
-      <p:sp>
-        <p:nvSpPr>
-          <p:cNvPr id="3" name="Content Placeholder 2">
-            <a:extLst>
-              <a:ext uri="{FF2B5EF4-FFF2-40B4-BE49-F238E27FC236}">
-                <a16:creationId xmlns:a16="http://schemas.microsoft.com/office/drawing/2014/main" id="{6182DCBA-C325-6DAB-59F0-BA57805CC42E}"/>
-              </a:ext>
-            </a:extLst>
-          </p:cNvPr>
-          <p:cNvSpPr>
-            <a:spLocks noGrp="1"/>
-          </p:cNvSpPr>
-          <p:nvPr>
-            <p:ph idx="1"/>
-          </p:nvPr>
-        </p:nvSpPr>
-        <p:spPr/>
-        <p:txBody>
-          <a:bodyPr/>
-          <a:lstStyle/>
-          <a:p>
-            <a:endParaRPr lang="es-MX"/>
+              <a:t>Post  /asistencias</a:t>
+            </a:r>
           </a:p>
         </p:txBody>
       </p:sp>
@@ -8974,7 +9181,7 @@
           <p:cNvPr id="5" name="Picture 4">
             <a:extLst>
               <a:ext uri="{FF2B5EF4-FFF2-40B4-BE49-F238E27FC236}">
-                <a16:creationId xmlns:a16="http://schemas.microsoft.com/office/drawing/2014/main" id="{C6245A95-8E68-376A-98CC-DAAEF45F71D8}"/>
+                <a16:creationId xmlns:a16="http://schemas.microsoft.com/office/drawing/2014/main" id="{46E72C82-E4BF-C99F-6783-551A115E1251}"/>
               </a:ext>
             </a:extLst>
           </p:cNvPr>
@@ -8991,8 +9198,8 @@
         </p:blipFill>
         <p:spPr>
           <a:xfrm>
-            <a:off x="-5324" y="1094825"/>
-            <a:ext cx="12192000" cy="5772150"/>
+            <a:off x="3730862" y="1758826"/>
+            <a:ext cx="4719628" cy="2672560"/>
           </a:xfrm>
           <a:prstGeom prst="rect">
             <a:avLst/>
@@ -9002,7 +9209,7 @@
     </p:spTree>
     <p:extLst>
       <p:ext uri="{BB962C8B-B14F-4D97-AF65-F5344CB8AC3E}">
-        <p14:creationId xmlns:p14="http://schemas.microsoft.com/office/powerpoint/2010/main" val="2887554772"/>
+        <p14:creationId xmlns:p14="http://schemas.microsoft.com/office/powerpoint/2010/main" val="3137852376"/>
       </p:ext>
     </p:extLst>
   </p:cSld>
@@ -9034,7 +9241,7 @@
           <p:cNvPr id="2" name="Title 1">
             <a:extLst>
               <a:ext uri="{FF2B5EF4-FFF2-40B4-BE49-F238E27FC236}">
-                <a16:creationId xmlns:a16="http://schemas.microsoft.com/office/drawing/2014/main" id="{2D3B83F8-23CE-5C4F-EB87-F74238796958}"/>
+                <a16:creationId xmlns:a16="http://schemas.microsoft.com/office/drawing/2014/main" id="{45B7FE17-92CE-DB96-D3FA-0B36C44E66CD}"/>
               </a:ext>
             </a:extLst>
           </p:cNvPr>
@@ -9047,7 +9254,7 @@
         </p:nvSpPr>
         <p:spPr>
           <a:xfrm>
-            <a:off x="913795" y="96350"/>
+            <a:off x="745844" y="171449"/>
             <a:ext cx="10353762" cy="970450"/>
           </a:xfrm>
         </p:spPr>
@@ -9057,8 +9264,13 @@
           <a:p>
             <a:r>
               <a:rPr lang="es-MX" dirty="0"/>
-              <a:t>Vista usuario</a:t>
-            </a:r>
+              <a:t>Vista </a:t>
+            </a:r>
+            <a:r>
+              <a:rPr lang="es-MX" dirty="0" err="1"/>
+              <a:t>admin</a:t>
+            </a:r>
+            <a:endParaRPr lang="es-MX" dirty="0"/>
           </a:p>
         </p:txBody>
       </p:sp>
@@ -9067,7 +9279,7 @@
           <p:cNvPr id="3" name="Content Placeholder 2">
             <a:extLst>
               <a:ext uri="{FF2B5EF4-FFF2-40B4-BE49-F238E27FC236}">
-                <a16:creationId xmlns:a16="http://schemas.microsoft.com/office/drawing/2014/main" id="{5DE4AAF9-FA7A-29B9-29B9-1A8C45539B91}"/>
+                <a16:creationId xmlns:a16="http://schemas.microsoft.com/office/drawing/2014/main" id="{6182DCBA-C325-6DAB-59F0-BA57805CC42E}"/>
               </a:ext>
             </a:extLst>
           </p:cNvPr>
@@ -9092,7 +9304,36 @@
           <p:cNvPr id="5" name="Picture 4">
             <a:extLst>
               <a:ext uri="{FF2B5EF4-FFF2-40B4-BE49-F238E27FC236}">
-                <a16:creationId xmlns:a16="http://schemas.microsoft.com/office/drawing/2014/main" id="{525CB5F9-BB93-BC4E-9B5A-8FA719C3C978}"/>
+                <a16:creationId xmlns:a16="http://schemas.microsoft.com/office/drawing/2014/main" id="{C6245A95-8E68-376A-98CC-DAAEF45F71D8}"/>
+              </a:ext>
+            </a:extLst>
+          </p:cNvPr>
+          <p:cNvPicPr>
+            <a:picLocks noChangeAspect="1"/>
+          </p:cNvPicPr>
+          <p:nvPr/>
+        </p:nvPicPr>
+        <p:blipFill rotWithShape="1">
+          <a:blip r:embed="rId2"/>
+          <a:srcRect l="15077"/>
+          <a:stretch/>
+        </p:blipFill>
+        <p:spPr>
+          <a:xfrm>
+            <a:off x="1832912" y="967154"/>
+            <a:ext cx="10353763" cy="5899821"/>
+          </a:xfrm>
+          <a:prstGeom prst="rect">
+            <a:avLst/>
+          </a:prstGeom>
+        </p:spPr>
+      </p:pic>
+      <p:pic>
+        <p:nvPicPr>
+          <p:cNvPr id="8" name="Imagen 7">
+            <a:extLst>
+              <a:ext uri="{FF2B5EF4-FFF2-40B4-BE49-F238E27FC236}">
+                <a16:creationId xmlns:a16="http://schemas.microsoft.com/office/drawing/2014/main" id="{68262EB1-09F9-CB94-4E29-1190CAD47C8B}"/>
               </a:ext>
             </a:extLst>
           </p:cNvPr>
@@ -9102,15 +9343,15 @@
           <p:nvPr/>
         </p:nvPicPr>
         <p:blipFill>
-          <a:blip r:embed="rId2"/>
+          <a:blip r:embed="rId3"/>
           <a:stretch>
             <a:fillRect/>
           </a:stretch>
         </p:blipFill>
         <p:spPr>
           <a:xfrm>
-            <a:off x="0" y="954314"/>
-            <a:ext cx="12192000" cy="5994400"/>
+            <a:off x="-5324" y="967153"/>
+            <a:ext cx="1838235" cy="5899821"/>
           </a:xfrm>
           <a:prstGeom prst="rect">
             <a:avLst/>
@@ -9120,7 +9361,7 @@
     </p:spTree>
     <p:extLst>
       <p:ext uri="{BB962C8B-B14F-4D97-AF65-F5344CB8AC3E}">
-        <p14:creationId xmlns:p14="http://schemas.microsoft.com/office/powerpoint/2010/main" val="1089000030"/>
+        <p14:creationId xmlns:p14="http://schemas.microsoft.com/office/powerpoint/2010/main" val="2887554772"/>
       </p:ext>
     </p:extLst>
   </p:cSld>
@@ -9152,7 +9393,7 @@
           <p:cNvPr id="2" name="Title 1">
             <a:extLst>
               <a:ext uri="{FF2B5EF4-FFF2-40B4-BE49-F238E27FC236}">
-                <a16:creationId xmlns:a16="http://schemas.microsoft.com/office/drawing/2014/main" id="{0BCEC400-D6CF-DB39-E51B-4122628217E3}"/>
+                <a16:creationId xmlns:a16="http://schemas.microsoft.com/office/drawing/2014/main" id="{2D3B83F8-23CE-5C4F-EB87-F74238796958}"/>
               </a:ext>
             </a:extLst>
           </p:cNvPr>
@@ -9163,18 +9404,19 @@
             <p:ph type="title"/>
           </p:nvPr>
         </p:nvSpPr>
-        <p:spPr/>
-        <p:txBody>
-          <a:bodyPr/>
-          <a:lstStyle/>
-          <a:p>
-            <a:r>
-              <a:rPr lang="es-MX" dirty="0" err="1"/>
-              <a:t>Get</a:t>
-            </a:r>
+        <p:spPr>
+          <a:xfrm>
+            <a:off x="913795" y="96350"/>
+            <a:ext cx="10353762" cy="970450"/>
+          </a:xfrm>
+        </p:spPr>
+        <p:txBody>
+          <a:bodyPr/>
+          <a:lstStyle/>
+          <a:p>
             <a:r>
               <a:rPr lang="es-MX" dirty="0"/>
-              <a:t> /usuarios</a:t>
+              <a:t>Vista usuario</a:t>
             </a:r>
           </a:p>
         </p:txBody>
@@ -9184,7 +9426,7 @@
           <p:cNvPr id="3" name="Content Placeholder 2">
             <a:extLst>
               <a:ext uri="{FF2B5EF4-FFF2-40B4-BE49-F238E27FC236}">
-                <a16:creationId xmlns:a16="http://schemas.microsoft.com/office/drawing/2014/main" id="{15BD8C8D-48A3-2F29-31EE-FB94B5EA8BAB}"/>
+                <a16:creationId xmlns:a16="http://schemas.microsoft.com/office/drawing/2014/main" id="{5DE4AAF9-FA7A-29B9-29B9-1A8C45539B91}"/>
               </a:ext>
             </a:extLst>
           </p:cNvPr>
@@ -9206,10 +9448,39 @@
       </p:sp>
       <p:pic>
         <p:nvPicPr>
-          <p:cNvPr id="7" name="Picture 6">
+          <p:cNvPr id="5" name="Picture 4">
             <a:extLst>
               <a:ext uri="{FF2B5EF4-FFF2-40B4-BE49-F238E27FC236}">
-                <a16:creationId xmlns:a16="http://schemas.microsoft.com/office/drawing/2014/main" id="{86441523-2ABC-6ED1-B1EE-5EF933A6316D}"/>
+                <a16:creationId xmlns:a16="http://schemas.microsoft.com/office/drawing/2014/main" id="{525CB5F9-BB93-BC4E-9B5A-8FA719C3C978}"/>
+              </a:ext>
+            </a:extLst>
+          </p:cNvPr>
+          <p:cNvPicPr>
+            <a:picLocks noChangeAspect="1"/>
+          </p:cNvPicPr>
+          <p:nvPr/>
+        </p:nvPicPr>
+        <p:blipFill rotWithShape="1">
+          <a:blip r:embed="rId2"/>
+          <a:srcRect l="14423"/>
+          <a:stretch/>
+        </p:blipFill>
+        <p:spPr>
+          <a:xfrm>
+            <a:off x="1758462" y="954314"/>
+            <a:ext cx="10433538" cy="5994400"/>
+          </a:xfrm>
+          <a:prstGeom prst="rect">
+            <a:avLst/>
+          </a:prstGeom>
+        </p:spPr>
+      </p:pic>
+      <p:pic>
+        <p:nvPicPr>
+          <p:cNvPr id="8" name="Imagen 7">
+            <a:extLst>
+              <a:ext uri="{FF2B5EF4-FFF2-40B4-BE49-F238E27FC236}">
+                <a16:creationId xmlns:a16="http://schemas.microsoft.com/office/drawing/2014/main" id="{4FD828E9-5A66-A658-8103-384E0C802F14}"/>
               </a:ext>
             </a:extLst>
           </p:cNvPr>
@@ -9219,15 +9490,15 @@
           <p:nvPr/>
         </p:nvPicPr>
         <p:blipFill>
-          <a:blip r:embed="rId2"/>
+          <a:blip r:embed="rId3"/>
           <a:stretch>
             <a:fillRect/>
           </a:stretch>
         </p:blipFill>
         <p:spPr>
           <a:xfrm>
-            <a:off x="3351856" y="1599944"/>
-            <a:ext cx="5477639" cy="3658111"/>
+            <a:off x="0" y="954314"/>
+            <a:ext cx="1758462" cy="5903686"/>
           </a:xfrm>
           <a:prstGeom prst="rect">
             <a:avLst/>
@@ -9237,7 +9508,7 @@
     </p:spTree>
     <p:extLst>
       <p:ext uri="{BB962C8B-B14F-4D97-AF65-F5344CB8AC3E}">
-        <p14:creationId xmlns:p14="http://schemas.microsoft.com/office/powerpoint/2010/main" val="3547832897"/>
+        <p14:creationId xmlns:p14="http://schemas.microsoft.com/office/powerpoint/2010/main" val="1089000030"/>
       </p:ext>
     </p:extLst>
   </p:cSld>
@@ -9269,7 +9540,7 @@
           <p:cNvPr id="2" name="Title 1">
             <a:extLst>
               <a:ext uri="{FF2B5EF4-FFF2-40B4-BE49-F238E27FC236}">
-                <a16:creationId xmlns:a16="http://schemas.microsoft.com/office/drawing/2014/main" id="{7C99D101-C7DE-A3EA-AEC6-D401321659A6}"/>
+                <a16:creationId xmlns:a16="http://schemas.microsoft.com/office/drawing/2014/main" id="{0BCEC400-D6CF-DB39-E51B-4122628217E3}"/>
               </a:ext>
             </a:extLst>
           </p:cNvPr>
@@ -9280,19 +9551,18 @@
             <p:ph type="title"/>
           </p:nvPr>
         </p:nvSpPr>
-        <p:spPr>
-          <a:xfrm>
-            <a:off x="1044424" y="96350"/>
-            <a:ext cx="10353762" cy="970450"/>
-          </a:xfrm>
-        </p:spPr>
-        <p:txBody>
-          <a:bodyPr/>
-          <a:lstStyle/>
-          <a:p>
+        <p:spPr/>
+        <p:txBody>
+          <a:bodyPr/>
+          <a:lstStyle/>
+          <a:p>
+            <a:r>
+              <a:rPr lang="es-MX" dirty="0" err="1"/>
+              <a:t>Get</a:t>
+            </a:r>
             <a:r>
               <a:rPr lang="es-MX" dirty="0"/>
-              <a:t>Registro entradas/salidas</a:t>
+              <a:t> /usuarios</a:t>
             </a:r>
           </a:p>
         </p:txBody>
@@ -9302,7 +9572,7 @@
           <p:cNvPr id="3" name="Content Placeholder 2">
             <a:extLst>
               <a:ext uri="{FF2B5EF4-FFF2-40B4-BE49-F238E27FC236}">
-                <a16:creationId xmlns:a16="http://schemas.microsoft.com/office/drawing/2014/main" id="{823871EE-D7AB-C282-0D9B-3C4EBA99D9E6}"/>
+                <a16:creationId xmlns:a16="http://schemas.microsoft.com/office/drawing/2014/main" id="{15BD8C8D-48A3-2F29-31EE-FB94B5EA8BAB}"/>
               </a:ext>
             </a:extLst>
           </p:cNvPr>
@@ -9324,10 +9594,10 @@
       </p:sp>
       <p:pic>
         <p:nvPicPr>
-          <p:cNvPr id="5" name="Picture 4">
+          <p:cNvPr id="7" name="Picture 6">
             <a:extLst>
               <a:ext uri="{FF2B5EF4-FFF2-40B4-BE49-F238E27FC236}">
-                <a16:creationId xmlns:a16="http://schemas.microsoft.com/office/drawing/2014/main" id="{CB71CB6A-7365-81C7-3FEF-9D540CE5F16A}"/>
+                <a16:creationId xmlns:a16="http://schemas.microsoft.com/office/drawing/2014/main" id="{86441523-2ABC-6ED1-B1EE-5EF933A6316D}"/>
               </a:ext>
             </a:extLst>
           </p:cNvPr>
@@ -9344,8 +9614,8 @@
         </p:blipFill>
         <p:spPr>
           <a:xfrm>
-            <a:off x="-5324" y="996950"/>
-            <a:ext cx="12192000" cy="5861050"/>
+            <a:off x="3351856" y="1599944"/>
+            <a:ext cx="5477639" cy="3658111"/>
           </a:xfrm>
           <a:prstGeom prst="rect">
             <a:avLst/>
@@ -9355,7 +9625,7 @@
     </p:spTree>
     <p:extLst>
       <p:ext uri="{BB962C8B-B14F-4D97-AF65-F5344CB8AC3E}">
-        <p14:creationId xmlns:p14="http://schemas.microsoft.com/office/powerpoint/2010/main" val="1424141735"/>
+        <p14:creationId xmlns:p14="http://schemas.microsoft.com/office/powerpoint/2010/main" val="3547832897"/>
       </p:ext>
     </p:extLst>
   </p:cSld>
